--- a/Technical/Environment.pptx
+++ b/Technical/Environment.pptx
@@ -106,6 +106,11 @@
       </a:defRPr>
     </a:lvl9pPr>
   </p:defaultTextStyle>
+  <p:extLst>
+    <p:ext uri="{EFAFB233-063F-42B5-8137-9DF3F51BA10A}">
+      <p15:sldGuideLst xmlns:p15="http://schemas.microsoft.com/office/powerpoint/2012/main"/>
+    </p:ext>
+  </p:extLst>
 </p:presentation>
 </file>
 
@@ -240,7 +245,7 @@
           <a:p>
             <a:fld id="{EA5EF3FE-AE3A-4B18-96B6-5963797E2726}" type="datetimeFigureOut">
               <a:rPr lang="en-IN" smtClean="0"/>
-              <a:t>3/19/2021</a:t>
+              <a:t>3/23/2021</a:t>
             </a:fld>
             <a:endParaRPr lang="en-IN"/>
           </a:p>
@@ -410,7 +415,7 @@
           <a:p>
             <a:fld id="{EA5EF3FE-AE3A-4B18-96B6-5963797E2726}" type="datetimeFigureOut">
               <a:rPr lang="en-IN" smtClean="0"/>
-              <a:t>3/19/2021</a:t>
+              <a:t>3/23/2021</a:t>
             </a:fld>
             <a:endParaRPr lang="en-IN"/>
           </a:p>
@@ -590,7 +595,7 @@
           <a:p>
             <a:fld id="{EA5EF3FE-AE3A-4B18-96B6-5963797E2726}" type="datetimeFigureOut">
               <a:rPr lang="en-IN" smtClean="0"/>
-              <a:t>3/19/2021</a:t>
+              <a:t>3/23/2021</a:t>
             </a:fld>
             <a:endParaRPr lang="en-IN"/>
           </a:p>
@@ -760,7 +765,7 @@
           <a:p>
             <a:fld id="{EA5EF3FE-AE3A-4B18-96B6-5963797E2726}" type="datetimeFigureOut">
               <a:rPr lang="en-IN" smtClean="0"/>
-              <a:t>3/19/2021</a:t>
+              <a:t>3/23/2021</a:t>
             </a:fld>
             <a:endParaRPr lang="en-IN"/>
           </a:p>
@@ -1006,7 +1011,7 @@
           <a:p>
             <a:fld id="{EA5EF3FE-AE3A-4B18-96B6-5963797E2726}" type="datetimeFigureOut">
               <a:rPr lang="en-IN" smtClean="0"/>
-              <a:t>3/19/2021</a:t>
+              <a:t>3/23/2021</a:t>
             </a:fld>
             <a:endParaRPr lang="en-IN"/>
           </a:p>
@@ -1238,7 +1243,7 @@
           <a:p>
             <a:fld id="{EA5EF3FE-AE3A-4B18-96B6-5963797E2726}" type="datetimeFigureOut">
               <a:rPr lang="en-IN" smtClean="0"/>
-              <a:t>3/19/2021</a:t>
+              <a:t>3/23/2021</a:t>
             </a:fld>
             <a:endParaRPr lang="en-IN"/>
           </a:p>
@@ -1605,7 +1610,7 @@
           <a:p>
             <a:fld id="{EA5EF3FE-AE3A-4B18-96B6-5963797E2726}" type="datetimeFigureOut">
               <a:rPr lang="en-IN" smtClean="0"/>
-              <a:t>3/19/2021</a:t>
+              <a:t>3/23/2021</a:t>
             </a:fld>
             <a:endParaRPr lang="en-IN"/>
           </a:p>
@@ -1723,7 +1728,7 @@
           <a:p>
             <a:fld id="{EA5EF3FE-AE3A-4B18-96B6-5963797E2726}" type="datetimeFigureOut">
               <a:rPr lang="en-IN" smtClean="0"/>
-              <a:t>3/19/2021</a:t>
+              <a:t>3/23/2021</a:t>
             </a:fld>
             <a:endParaRPr lang="en-IN"/>
           </a:p>
@@ -1818,7 +1823,7 @@
           <a:p>
             <a:fld id="{EA5EF3FE-AE3A-4B18-96B6-5963797E2726}" type="datetimeFigureOut">
               <a:rPr lang="en-IN" smtClean="0"/>
-              <a:t>3/19/2021</a:t>
+              <a:t>3/23/2021</a:t>
             </a:fld>
             <a:endParaRPr lang="en-IN"/>
           </a:p>
@@ -2095,7 +2100,7 @@
           <a:p>
             <a:fld id="{EA5EF3FE-AE3A-4B18-96B6-5963797E2726}" type="datetimeFigureOut">
               <a:rPr lang="en-IN" smtClean="0"/>
-              <a:t>3/19/2021</a:t>
+              <a:t>3/23/2021</a:t>
             </a:fld>
             <a:endParaRPr lang="en-IN"/>
           </a:p>
@@ -2348,7 +2353,7 @@
           <a:p>
             <a:fld id="{EA5EF3FE-AE3A-4B18-96B6-5963797E2726}" type="datetimeFigureOut">
               <a:rPr lang="en-IN" smtClean="0"/>
-              <a:t>3/19/2021</a:t>
+              <a:t>3/23/2021</a:t>
             </a:fld>
             <a:endParaRPr lang="en-IN"/>
           </a:p>
@@ -2561,7 +2566,7 @@
           <a:p>
             <a:fld id="{EA5EF3FE-AE3A-4B18-96B6-5963797E2726}" type="datetimeFigureOut">
               <a:rPr lang="en-IN" smtClean="0"/>
-              <a:t>3/19/2021</a:t>
+              <a:t>3/23/2021</a:t>
             </a:fld>
             <a:endParaRPr lang="en-IN"/>
           </a:p>
@@ -3051,14 +3056,14 @@
           <p:nvPr>
             <p:extLst>
               <p:ext uri="{D42A27DB-BD31-4B8C-83A1-F6EECF244321}">
-                <p14:modId xmlns:p14="http://schemas.microsoft.com/office/powerpoint/2010/main" val="1460821993"/>
+                <p14:modId xmlns:p14="http://schemas.microsoft.com/office/powerpoint/2010/main" val="320676056"/>
               </p:ext>
             </p:extLst>
           </p:nvPr>
         </p:nvGraphicFramePr>
         <p:xfrm>
-          <a:off x="868218" y="175493"/>
-          <a:ext cx="10557164" cy="6375002"/>
+          <a:off x="701963" y="332512"/>
+          <a:ext cx="10557164" cy="5774556"/>
         </p:xfrm>
         <a:graphic>
           <a:graphicData uri="http://schemas.openxmlformats.org/drawingml/2006/table">
@@ -3081,14 +3086,14 @@
                     </a:ext>
                   </a:extLst>
                 </a:gridCol>
-                <a:gridCol w="2008382">
+                <a:gridCol w="2265773">
                   <a:extLst>
                     <a:ext uri="{9D8B030D-6E8A-4147-A177-3AD203B41FA5}">
                       <a16:colId xmlns:a16="http://schemas.microsoft.com/office/drawing/2014/main" val="319436880"/>
                     </a:ext>
                   </a:extLst>
                 </a:gridCol>
-                <a:gridCol w="2396223">
+                <a:gridCol w="2138832">
                   <a:extLst>
                     <a:ext uri="{9D8B030D-6E8A-4147-A177-3AD203B41FA5}">
                       <a16:colId xmlns:a16="http://schemas.microsoft.com/office/drawing/2014/main" val="2683652766"/>
@@ -3103,7 +3108,7 @@
                   </a:extLst>
                 </a:gridCol>
               </a:tblGrid>
-              <a:tr h="607003">
+              <a:tr h="566174">
                 <a:tc>
                   <a:txBody>
                     <a:bodyPr/>
@@ -3184,17 +3189,17 @@
                   </a:ext>
                 </a:extLst>
               </a:tr>
-              <a:tr h="607003">
+              <a:tr h="566174">
                 <a:tc>
                   <a:txBody>
                     <a:bodyPr/>
                     <a:lstStyle/>
                     <a:p>
                       <a:r>
-                        <a:rPr lang="en-US" dirty="0" smtClean="0"/>
+                        <a:rPr lang="en-US" sz="1400" b="1" dirty="0" smtClean="0"/>
                         <a:t>Version Control</a:t>
                       </a:r>
-                      <a:endParaRPr lang="en-IN" dirty="0"/>
+                      <a:endParaRPr lang="en-IN" sz="1400" b="1" dirty="0"/>
                     </a:p>
                   </a:txBody>
                   <a:tcPr/>
@@ -3205,10 +3210,10 @@
                     <a:lstStyle/>
                     <a:p>
                       <a:r>
-                        <a:rPr lang="en-US" dirty="0" smtClean="0"/>
+                        <a:rPr lang="en-US" sz="1400" b="0" dirty="0" smtClean="0"/>
                         <a:t>Document</a:t>
                       </a:r>
-                      <a:endParaRPr lang="en-IN" dirty="0"/>
+                      <a:endParaRPr lang="en-IN" sz="1400" b="0" dirty="0"/>
                     </a:p>
                   </a:txBody>
                   <a:tcPr/>
@@ -3219,10 +3224,10 @@
                     <a:lstStyle/>
                     <a:p>
                       <a:r>
-                        <a:rPr lang="en-US" dirty="0" smtClean="0"/>
+                        <a:rPr lang="en-US" sz="1400" b="0" dirty="0" smtClean="0"/>
                         <a:t>GitHub / Azure Board</a:t>
                       </a:r>
-                      <a:endParaRPr lang="en-IN" dirty="0"/>
+                      <a:endParaRPr lang="en-IN" sz="1400" b="0" dirty="0"/>
                     </a:p>
                   </a:txBody>
                   <a:tcPr/>
@@ -3233,10 +3238,10 @@
                     <a:lstStyle/>
                     <a:p>
                       <a:r>
-                        <a:rPr lang="en-US" dirty="0" smtClean="0"/>
+                        <a:rPr lang="en-US" sz="1400" b="0" dirty="0" smtClean="0"/>
                         <a:t>GitHub Public Repository Prepared</a:t>
                       </a:r>
-                      <a:endParaRPr lang="en-IN" dirty="0"/>
+                      <a:endParaRPr lang="en-IN" sz="1400" b="0" dirty="0"/>
                     </a:p>
                   </a:txBody>
                   <a:tcPr/>
@@ -3246,7 +3251,7 @@
                     <a:bodyPr/>
                     <a:lstStyle/>
                     <a:p>
-                      <a:endParaRPr lang="en-IN" dirty="0"/>
+                      <a:endParaRPr lang="en-IN" sz="1400" b="0" dirty="0"/>
                     </a:p>
                   </a:txBody>
                   <a:tcPr/>
@@ -3257,13 +3262,13 @@
                   </a:ext>
                 </a:extLst>
               </a:tr>
-              <a:tr h="607003">
+              <a:tr h="566174">
                 <a:tc>
                   <a:txBody>
                     <a:bodyPr/>
                     <a:lstStyle/>
                     <a:p>
-                      <a:endParaRPr lang="en-IN"/>
+                      <a:endParaRPr lang="en-IN" sz="1400" b="1"/>
                     </a:p>
                   </a:txBody>
                   <a:tcPr/>
@@ -3274,10 +3279,10 @@
                     <a:lstStyle/>
                     <a:p>
                       <a:r>
-                        <a:rPr lang="en-US" dirty="0" smtClean="0"/>
+                        <a:rPr lang="en-US" sz="1400" b="0" dirty="0" smtClean="0"/>
                         <a:t>Code</a:t>
                       </a:r>
-                      <a:endParaRPr lang="en-IN" dirty="0"/>
+                      <a:endParaRPr lang="en-IN" sz="1400" b="0" dirty="0"/>
                     </a:p>
                   </a:txBody>
                   <a:tcPr/>
@@ -3288,10 +3293,10 @@
                     <a:lstStyle/>
                     <a:p>
                       <a:r>
-                        <a:rPr lang="en-US" dirty="0" smtClean="0"/>
+                        <a:rPr lang="en-US" sz="1400" b="0" dirty="0" smtClean="0"/>
                         <a:t>GitHub</a:t>
                       </a:r>
-                      <a:endParaRPr lang="en-IN" dirty="0"/>
+                      <a:endParaRPr lang="en-IN" sz="1400" b="0" dirty="0"/>
                     </a:p>
                   </a:txBody>
                   <a:tcPr/>
@@ -3302,10 +3307,10 @@
                     <a:lstStyle/>
                     <a:p>
                       <a:r>
-                        <a:rPr lang="en-US" dirty="0" smtClean="0"/>
+                        <a:rPr lang="en-US" sz="1400" b="0" dirty="0" smtClean="0"/>
                         <a:t>Private Repository Prepared</a:t>
                       </a:r>
-                      <a:endParaRPr lang="en-IN" dirty="0"/>
+                      <a:endParaRPr lang="en-IN" sz="1400" b="0" dirty="0"/>
                     </a:p>
                   </a:txBody>
                   <a:tcPr/>
@@ -3315,7 +3320,7 @@
                     <a:bodyPr/>
                     <a:lstStyle/>
                     <a:p>
-                      <a:endParaRPr lang="en-IN" dirty="0"/>
+                      <a:endParaRPr lang="en-IN" sz="1400" b="0" dirty="0"/>
                     </a:p>
                   </a:txBody>
                   <a:tcPr/>
@@ -3326,17 +3331,17 @@
                   </a:ext>
                 </a:extLst>
               </a:tr>
-              <a:tr h="1647580">
-                <a:tc>
+              <a:tr h="1303293">
+                <a:tc rowSpan="2">
                   <a:txBody>
                     <a:bodyPr/>
                     <a:lstStyle/>
                     <a:p>
                       <a:r>
-                        <a:rPr lang="en-US" dirty="0" smtClean="0"/>
+                        <a:rPr lang="en-US" sz="1400" b="1" dirty="0" smtClean="0"/>
                         <a:t>Code Environment</a:t>
                       </a:r>
-                      <a:endParaRPr lang="en-IN" dirty="0"/>
+                      <a:endParaRPr lang="en-IN" sz="1400" b="1" dirty="0"/>
                     </a:p>
                   </a:txBody>
                   <a:tcPr/>
@@ -3347,14 +3352,14 @@
                     <a:lstStyle/>
                     <a:p>
                       <a:r>
-                        <a:rPr lang="en-US" dirty="0" smtClean="0"/>
+                        <a:rPr lang="en-US" sz="1400" b="0" dirty="0" smtClean="0"/>
                         <a:t>Window</a:t>
                       </a:r>
                       <a:r>
-                        <a:rPr lang="en-US" baseline="0" dirty="0" smtClean="0"/>
+                        <a:rPr lang="en-US" sz="1400" b="0" baseline="0" dirty="0" smtClean="0"/>
                         <a:t> Based</a:t>
                       </a:r>
-                      <a:endParaRPr lang="en-IN" dirty="0"/>
+                      <a:endParaRPr lang="en-IN" sz="1400" b="0" dirty="0"/>
                     </a:p>
                   </a:txBody>
                   <a:tcPr/>
@@ -3365,38 +3370,61 @@
                     <a:lstStyle/>
                     <a:p>
                       <a:r>
-                        <a:rPr lang="en-US" dirty="0" smtClean="0"/>
-                        <a:t>WPF (Asp.net core 3.1)</a:t>
+                        <a:rPr lang="en-US" sz="1400" b="0" dirty="0" smtClean="0"/>
+                        <a:t>WPF (Asp.net core </a:t>
                       </a:r>
-                    </a:p>
-                    <a:p>
                       <a:r>
-                        <a:rPr lang="en-US" dirty="0" err="1" smtClean="0"/>
-                        <a:t>Moq</a:t>
+                        <a:rPr lang="en-US" sz="1400" b="0" dirty="0" smtClean="0"/>
+                        <a:t>5.0)</a:t>
                       </a:r>
-                      <a:endParaRPr lang="en-US" dirty="0" smtClean="0"/>
+                      <a:endParaRPr lang="en-US" sz="1400" b="0" dirty="0" smtClean="0"/>
                     </a:p>
                     <a:p>
                       <a:r>
-                        <a:rPr lang="en-US" dirty="0" err="1" smtClean="0"/>
-                        <a:t>NUnit</a:t>
+                        <a:rPr lang="en-US" sz="1400" b="0" dirty="0" smtClean="0"/>
+                        <a:t>MOQ</a:t>
                       </a:r>
-                      <a:endParaRPr lang="en-US" dirty="0" smtClean="0"/>
-                    </a:p>
-                    <a:p>
                       <a:r>
-                        <a:rPr lang="en-US" dirty="0" err="1" smtClean="0"/>
+                        <a:rPr lang="en-US" sz="1400" b="0" baseline="0" dirty="0" smtClean="0"/>
+                        <a:t> (Mocking)</a:t>
+                      </a:r>
+                      <a:endParaRPr lang="en-US" sz="1400" b="0" dirty="0" smtClean="0"/>
+                    </a:p>
+                    <a:p>
+                      <a:r>
+                        <a:rPr lang="en-US" sz="1400" b="0" dirty="0" smtClean="0"/>
+                        <a:t>NUNIT</a:t>
+                      </a:r>
+                      <a:r>
+                        <a:rPr lang="en-US" sz="1400" b="0" baseline="0" dirty="0" smtClean="0"/>
+                        <a:t> (Unit testing)</a:t>
+                      </a:r>
+                      <a:endParaRPr lang="en-US" sz="1400" b="0" dirty="0" smtClean="0"/>
+                    </a:p>
+                    <a:p>
+                      <a:r>
+                        <a:rPr lang="en-US" sz="1400" b="0" dirty="0" err="1" smtClean="0"/>
                         <a:t>Spatialite</a:t>
                       </a:r>
                       <a:r>
-                        <a:rPr lang="en-US" dirty="0" smtClean="0"/>
-                        <a:t> &amp; </a:t>
+                        <a:rPr lang="en-US" sz="1400" b="0" dirty="0" smtClean="0"/>
+                        <a:t> </a:t>
                       </a:r>
                       <a:r>
-                        <a:rPr lang="en-US" dirty="0" err="1" smtClean="0"/>
+                        <a:rPr lang="en-US" sz="1400" b="0" dirty="0" smtClean="0"/>
+                        <a:t>(Storage DB)</a:t>
+                      </a:r>
+                    </a:p>
+                    <a:p>
+                      <a:r>
+                        <a:rPr lang="en-US" sz="1400" b="0" dirty="0" err="1" smtClean="0"/>
                         <a:t>PostGres</a:t>
                       </a:r>
-                      <a:endParaRPr lang="en-IN" dirty="0"/>
+                      <a:r>
+                        <a:rPr lang="en-US" sz="1400" b="0" dirty="0" smtClean="0"/>
+                        <a:t> (Storage DB)</a:t>
+                      </a:r>
+                      <a:endParaRPr lang="en-IN" sz="1400" b="0" dirty="0"/>
                     </a:p>
                   </a:txBody>
                   <a:tcPr/>
@@ -3406,7 +3434,11 @@
                     <a:bodyPr/>
                     <a:lstStyle/>
                     <a:p>
-                      <a:endParaRPr lang="en-IN" dirty="0"/>
+                      <a:r>
+                        <a:rPr lang="en-US" sz="1400" b="0" dirty="0" smtClean="0"/>
+                        <a:t>Visual Studio 2019</a:t>
+                      </a:r>
+                      <a:endParaRPr lang="en-IN" sz="1400" b="0" dirty="0"/>
                     </a:p>
                   </a:txBody>
                   <a:tcPr/>
@@ -3417,10 +3449,10 @@
                     <a:lstStyle/>
                     <a:p>
                       <a:r>
-                        <a:rPr lang="en-US" dirty="0" smtClean="0"/>
+                        <a:rPr lang="en-US" sz="1400" b="0" dirty="0" smtClean="0"/>
                         <a:t>Windows, Linux</a:t>
                       </a:r>
-                      <a:endParaRPr lang="en-IN" dirty="0"/>
+                      <a:endParaRPr lang="en-IN" sz="1400" b="0" dirty="0"/>
                     </a:p>
                   </a:txBody>
                   <a:tcPr/>
@@ -3431,23 +3463,92 @@
                   </a:ext>
                 </a:extLst>
               </a:tr>
-              <a:tr h="607003">
+              <a:tr h="378691">
+                <a:tc vMerge="1">
+                  <a:txBody>
+                    <a:bodyPr/>
+                    <a:lstStyle/>
+                    <a:p>
+                      <a:endParaRPr lang="en-IN" dirty="0"/>
+                    </a:p>
+                  </a:txBody>
+                  <a:tcPr/>
+                </a:tc>
+                <a:tc vMerge="1">
+                  <a:txBody>
+                    <a:bodyPr/>
+                    <a:lstStyle/>
+                    <a:p>
+                      <a:endParaRPr lang="en-IN"/>
+                    </a:p>
+                  </a:txBody>
+                  <a:tcPr/>
+                </a:tc>
                 <a:tc>
                   <a:txBody>
                     <a:bodyPr/>
                     <a:lstStyle/>
                     <a:p>
+                      <a:r>
+                        <a:rPr lang="en-US" sz="1400" b="0" dirty="0" smtClean="0"/>
+                        <a:t>MSI/MSIX</a:t>
+                      </a:r>
+                      <a:endParaRPr lang="en-IN" sz="1400" b="0" dirty="0"/>
+                    </a:p>
+                  </a:txBody>
+                  <a:tcPr/>
+                </a:tc>
+                <a:tc>
+                  <a:txBody>
+                    <a:bodyPr/>
+                    <a:lstStyle/>
+                    <a:p>
                       <a:endParaRPr lang="en-IN"/>
                     </a:p>
                   </a:txBody>
                   <a:tcPr/>
                 </a:tc>
-                <a:tc vMerge="1">
-                  <a:txBody>
-                    <a:bodyPr/>
-                    <a:lstStyle/>
-                    <a:p>
-                      <a:endParaRPr lang="en-IN" dirty="0"/>
+                <a:tc>
+                  <a:txBody>
+                    <a:bodyPr/>
+                    <a:lstStyle/>
+                    <a:p>
+                      <a:endParaRPr lang="en-IN"/>
+                    </a:p>
+                  </a:txBody>
+                  <a:tcPr/>
+                </a:tc>
+                <a:extLst>
+                  <a:ext uri="{0D108BD9-81ED-4DB2-BD59-A6C34878D82A}">
+                    <a16:rowId xmlns:a16="http://schemas.microsoft.com/office/drawing/2014/main" val="2214860060"/>
+                  </a:ext>
+                </a:extLst>
+              </a:tr>
+              <a:tr h="566174">
+                <a:tc>
+                  <a:txBody>
+                    <a:bodyPr/>
+                    <a:lstStyle/>
+                    <a:p>
+                      <a:r>
+                        <a:rPr lang="en-US" sz="1400" b="1" dirty="0" smtClean="0"/>
+                        <a:t>Test Environment</a:t>
+                      </a:r>
+                      <a:endParaRPr lang="en-IN" sz="1400" b="1" dirty="0"/>
+                    </a:p>
+                  </a:txBody>
+                  <a:tcPr/>
+                </a:tc>
+                <a:tc>
+                  <a:txBody>
+                    <a:bodyPr/>
+                    <a:lstStyle/>
+                    <a:p>
+                      <a:r>
+                        <a:rPr lang="en-US" sz="1400" b="0" dirty="0" smtClean="0"/>
+                        <a:t>Platform</a:t>
+                      </a:r>
+                      <a:endParaRPr lang="en-IN" sz="1400" b="0" dirty="0"/>
                     </a:p>
                   </a:txBody>
                   <a:tcPr/>
@@ -3475,102 +3576,13 @@
                         <a:defRPr/>
                       </a:pPr>
                       <a:r>
-                        <a:rPr lang="en-US" dirty="0" smtClean="0"/>
-                        <a:t>Eclipse (Python)</a:t>
-                      </a:r>
-                      <a:endParaRPr lang="en-IN" dirty="0" smtClean="0"/>
-                    </a:p>
-                    <a:p>
-                      <a:endParaRPr lang="en-IN" dirty="0"/>
-                    </a:p>
-                  </a:txBody>
-                  <a:tcPr/>
-                </a:tc>
-                <a:tc>
-                  <a:txBody>
-                    <a:bodyPr/>
-                    <a:lstStyle/>
-                    <a:p>
-                      <a:endParaRPr lang="en-IN" dirty="0"/>
-                    </a:p>
-                  </a:txBody>
-                  <a:tcPr/>
-                </a:tc>
-                <a:tc>
-                  <a:txBody>
-                    <a:bodyPr/>
-                    <a:lstStyle/>
-                    <a:p>
-                      <a:endParaRPr lang="en-IN"/>
-                    </a:p>
-                  </a:txBody>
-                  <a:tcPr/>
-                </a:tc>
-                <a:extLst>
-                  <a:ext uri="{0D108BD9-81ED-4DB2-BD59-A6C34878D82A}">
-                    <a16:rowId xmlns:a16="http://schemas.microsoft.com/office/drawing/2014/main" val="25977626"/>
-                  </a:ext>
-                </a:extLst>
-              </a:tr>
-              <a:tr h="607003">
-                <a:tc>
-                  <a:txBody>
-                    <a:bodyPr/>
-                    <a:lstStyle/>
-                    <a:p>
-                      <a:r>
-                        <a:rPr lang="en-US" dirty="0" smtClean="0"/>
-                        <a:t>Test Environment</a:t>
-                      </a:r>
-                      <a:endParaRPr lang="en-IN" dirty="0"/>
-                    </a:p>
-                  </a:txBody>
-                  <a:tcPr/>
-                </a:tc>
-                <a:tc>
-                  <a:txBody>
-                    <a:bodyPr/>
-                    <a:lstStyle/>
-                    <a:p>
-                      <a:r>
-                        <a:rPr lang="en-US" dirty="0" smtClean="0"/>
-                        <a:t>Platform</a:t>
-                      </a:r>
-                      <a:endParaRPr lang="en-IN" dirty="0"/>
-                    </a:p>
-                  </a:txBody>
-                  <a:tcPr/>
-                </a:tc>
-                <a:tc>
-                  <a:txBody>
-                    <a:bodyPr/>
-                    <a:lstStyle/>
-                    <a:p>
-                      <a:pPr marL="0" marR="0" indent="0" algn="l" defTabSz="914400" rtl="0" eaLnBrk="1" fontAlgn="auto" latinLnBrk="0" hangingPunct="1">
-                        <a:lnSpc>
-                          <a:spcPct val="100000"/>
-                        </a:lnSpc>
-                        <a:spcBef>
-                          <a:spcPts val="0"/>
-                        </a:spcBef>
-                        <a:spcAft>
-                          <a:spcPts val="0"/>
-                        </a:spcAft>
-                        <a:buClrTx/>
-                        <a:buSzTx/>
-                        <a:buFontTx/>
-                        <a:buNone/>
-                        <a:tabLst/>
-                        <a:defRPr/>
-                      </a:pPr>
-                      <a:r>
-                        <a:rPr lang="en-US" dirty="0" smtClean="0"/>
+                        <a:rPr lang="en-US" sz="1400" b="0" dirty="0" smtClean="0"/>
                         <a:t>Windows</a:t>
                       </a:r>
-                      <a:endParaRPr lang="en-IN" dirty="0" smtClean="0"/>
-                    </a:p>
-                    <a:p>
-                      <a:endParaRPr lang="en-IN" dirty="0"/>
+                      <a:endParaRPr lang="en-IN" sz="1400" b="0" dirty="0" smtClean="0"/>
+                    </a:p>
+                    <a:p>
+                      <a:endParaRPr lang="en-IN" sz="1400" b="0" dirty="0"/>
                     </a:p>
                   </a:txBody>
                   <a:tcPr/>
@@ -3580,7 +3592,7 @@
                     <a:bodyPr/>
                     <a:lstStyle/>
                     <a:p>
-                      <a:endParaRPr lang="en-IN" dirty="0"/>
+                      <a:endParaRPr lang="en-IN" sz="1400" b="0" dirty="0"/>
                     </a:p>
                   </a:txBody>
                   <a:tcPr/>
@@ -3590,7 +3602,7 @@
                     <a:bodyPr/>
                     <a:lstStyle/>
                     <a:p>
-                      <a:endParaRPr lang="en-IN" dirty="0"/>
+                      <a:endParaRPr lang="en-IN" sz="1400" b="0" dirty="0"/>
                     </a:p>
                   </a:txBody>
                   <a:tcPr/>
@@ -3601,13 +3613,13 @@
                   </a:ext>
                 </a:extLst>
               </a:tr>
-              <a:tr h="398581">
+              <a:tr h="371771">
                 <a:tc>
                   <a:txBody>
                     <a:bodyPr/>
                     <a:lstStyle/>
                     <a:p>
-                      <a:endParaRPr lang="en-IN" dirty="0"/>
+                      <a:endParaRPr lang="en-IN" sz="1400" b="1" dirty="0"/>
                     </a:p>
                   </a:txBody>
                   <a:tcPr/>
@@ -3618,10 +3630,10 @@
                     <a:lstStyle/>
                     <a:p>
                       <a:r>
-                        <a:rPr lang="en-US" dirty="0" smtClean="0"/>
+                        <a:rPr lang="en-US" sz="1400" b="0" dirty="0" smtClean="0"/>
                         <a:t>Test Case</a:t>
                       </a:r>
-                      <a:endParaRPr lang="en-IN" dirty="0"/>
+                      <a:endParaRPr lang="en-IN" sz="1400" b="0" dirty="0"/>
                     </a:p>
                   </a:txBody>
                   <a:tcPr/>
@@ -3632,14 +3644,14 @@
                     <a:lstStyle/>
                     <a:p>
                       <a:r>
-                        <a:rPr lang="en-US" dirty="0" smtClean="0"/>
+                        <a:rPr lang="en-US" sz="1400" b="0" dirty="0" smtClean="0"/>
                         <a:t>VTC</a:t>
                       </a:r>
                       <a:r>
-                        <a:rPr lang="en-US" baseline="0" dirty="0" smtClean="0"/>
+                        <a:rPr lang="en-US" sz="1400" b="0" baseline="0" dirty="0" smtClean="0"/>
                         <a:t> Template</a:t>
                       </a:r>
-                      <a:endParaRPr lang="en-IN" dirty="0"/>
+                      <a:endParaRPr lang="en-IN" sz="1400" b="0" dirty="0"/>
                     </a:p>
                   </a:txBody>
                   <a:tcPr/>
@@ -3650,10 +3662,10 @@
                     <a:lstStyle/>
                     <a:p>
                       <a:r>
-                        <a:rPr lang="en-US" dirty="0" smtClean="0"/>
+                        <a:rPr lang="en-US" sz="1400" b="0" dirty="0" smtClean="0"/>
                         <a:t>Received</a:t>
                       </a:r>
-                      <a:endParaRPr lang="en-IN" dirty="0"/>
+                      <a:endParaRPr lang="en-IN" sz="1400" b="0" dirty="0"/>
                     </a:p>
                   </a:txBody>
                   <a:tcPr/>
@@ -3663,7 +3675,7 @@
                     <a:bodyPr/>
                     <a:lstStyle/>
                     <a:p>
-                      <a:endParaRPr lang="en-IN" dirty="0"/>
+                      <a:endParaRPr lang="en-IN" sz="1400" b="0" dirty="0"/>
                     </a:p>
                   </a:txBody>
                   <a:tcPr/>
@@ -3674,17 +3686,86 @@
                   </a:ext>
                 </a:extLst>
               </a:tr>
-              <a:tr h="398581">
+              <a:tr h="483307">
                 <a:tc>
                   <a:txBody>
                     <a:bodyPr/>
                     <a:lstStyle/>
                     <a:p>
                       <a:r>
-                        <a:rPr lang="en-US" dirty="0" smtClean="0"/>
+                        <a:rPr lang="en-US" sz="1400" b="1" dirty="0" smtClean="0"/>
+                        <a:t>Production Environment</a:t>
+                      </a:r>
+                      <a:endParaRPr lang="en-IN" sz="1400" b="1" dirty="0"/>
+                    </a:p>
+                  </a:txBody>
+                  <a:tcPr/>
+                </a:tc>
+                <a:tc>
+                  <a:txBody>
+                    <a:bodyPr/>
+                    <a:lstStyle/>
+                    <a:p>
+                      <a:r>
+                        <a:rPr lang="en-US" sz="1400" b="0" dirty="0" smtClean="0"/>
+                        <a:t>Platform</a:t>
+                      </a:r>
+                      <a:endParaRPr lang="en-IN" sz="1400" b="0" dirty="0"/>
+                    </a:p>
+                  </a:txBody>
+                  <a:tcPr/>
+                </a:tc>
+                <a:tc>
+                  <a:txBody>
+                    <a:bodyPr/>
+                    <a:lstStyle/>
+                    <a:p>
+                      <a:r>
+                        <a:rPr lang="en-US" sz="1400" b="0" dirty="0" smtClean="0"/>
+                        <a:t>Windows</a:t>
+                      </a:r>
+                      <a:endParaRPr lang="en-IN" sz="1400" b="0" dirty="0"/>
+                    </a:p>
+                  </a:txBody>
+                  <a:tcPr/>
+                </a:tc>
+                <a:tc>
+                  <a:txBody>
+                    <a:bodyPr/>
+                    <a:lstStyle/>
+                    <a:p>
+                      <a:endParaRPr lang="en-IN" sz="1400" b="0" dirty="0"/>
+                    </a:p>
+                  </a:txBody>
+                  <a:tcPr/>
+                </a:tc>
+                <a:tc>
+                  <a:txBody>
+                    <a:bodyPr/>
+                    <a:lstStyle/>
+                    <a:p>
+                      <a:endParaRPr lang="en-IN" sz="1400" b="0" dirty="0"/>
+                    </a:p>
+                  </a:txBody>
+                  <a:tcPr/>
+                </a:tc>
+                <a:extLst>
+                  <a:ext uri="{0D108BD9-81ED-4DB2-BD59-A6C34878D82A}">
+                    <a16:rowId xmlns:a16="http://schemas.microsoft.com/office/drawing/2014/main" val="4243959452"/>
+                  </a:ext>
+                </a:extLst>
+              </a:tr>
+              <a:tr h="371771">
+                <a:tc>
+                  <a:txBody>
+                    <a:bodyPr/>
+                    <a:lstStyle/>
+                    <a:p>
+                      <a:r>
+                        <a:rPr lang="en-US" sz="1400" b="1" dirty="0" smtClean="0"/>
                         <a:t>Review System</a:t>
                       </a:r>
-                      <a:endParaRPr lang="en-IN" dirty="0"/>
+                      <a:endParaRPr lang="en-IN" sz="1400" b="1" dirty="0"/>
                     </a:p>
                   </a:txBody>
                   <a:tcPr/>
@@ -3695,10 +3776,10 @@
                     <a:lstStyle/>
                     <a:p>
                       <a:r>
-                        <a:rPr lang="en-US" dirty="0" smtClean="0"/>
+                        <a:rPr lang="en-US" sz="1400" b="0" dirty="0" smtClean="0"/>
                         <a:t>Code</a:t>
                       </a:r>
-                      <a:endParaRPr lang="en-IN" dirty="0"/>
+                      <a:endParaRPr lang="en-IN" sz="1400" b="0" dirty="0"/>
                     </a:p>
                   </a:txBody>
                   <a:tcPr/>
@@ -3709,10 +3790,10 @@
                     <a:lstStyle/>
                     <a:p>
                       <a:r>
-                        <a:rPr lang="en-US" dirty="0" smtClean="0"/>
+                        <a:rPr lang="en-US" sz="1400" b="0" dirty="0" smtClean="0"/>
                         <a:t>GitHub</a:t>
                       </a:r>
-                      <a:endParaRPr lang="en-IN" dirty="0"/>
+                      <a:endParaRPr lang="en-IN" sz="1400" b="0" dirty="0"/>
                     </a:p>
                   </a:txBody>
                   <a:tcPr/>
@@ -3722,7 +3803,7 @@
                     <a:bodyPr/>
                     <a:lstStyle/>
                     <a:p>
-                      <a:endParaRPr lang="en-IN" dirty="0"/>
+                      <a:endParaRPr lang="en-IN" sz="1400" b="0" dirty="0"/>
                     </a:p>
                   </a:txBody>
                   <a:tcPr/>
@@ -3732,7 +3813,7 @@
                     <a:bodyPr/>
                     <a:lstStyle/>
                     <a:p>
-                      <a:endParaRPr lang="en-IN" dirty="0"/>
+                      <a:endParaRPr lang="en-IN" sz="1400" b="0" dirty="0"/>
                     </a:p>
                   </a:txBody>
                   <a:tcPr/>
@@ -3743,13 +3824,13 @@
                   </a:ext>
                 </a:extLst>
               </a:tr>
-              <a:tr h="607003">
+              <a:tr h="566174">
                 <a:tc>
                   <a:txBody>
                     <a:bodyPr/>
                     <a:lstStyle/>
                     <a:p>
-                      <a:endParaRPr lang="en-IN" dirty="0"/>
+                      <a:endParaRPr lang="en-IN" sz="1400" b="1" dirty="0"/>
                     </a:p>
                   </a:txBody>
                   <a:tcPr/>
@@ -3760,10 +3841,10 @@
                     <a:lstStyle/>
                     <a:p>
                       <a:r>
-                        <a:rPr lang="en-US" dirty="0" smtClean="0"/>
+                        <a:rPr lang="en-US" sz="1400" b="0" dirty="0" smtClean="0"/>
                         <a:t>Documents</a:t>
                       </a:r>
-                      <a:endParaRPr lang="en-IN" dirty="0"/>
+                      <a:endParaRPr lang="en-IN" sz="1400" b="0" dirty="0"/>
                     </a:p>
                   </a:txBody>
                   <a:tcPr/>
@@ -3774,10 +3855,10 @@
                     <a:lstStyle/>
                     <a:p>
                       <a:r>
-                        <a:rPr lang="en-US" dirty="0" smtClean="0"/>
+                        <a:rPr lang="en-US" sz="1400" b="0" dirty="0" smtClean="0"/>
                         <a:t>GitHub / External Software</a:t>
                       </a:r>
-                      <a:endParaRPr lang="en-IN" dirty="0"/>
+                      <a:endParaRPr lang="en-IN" sz="1400" b="0" dirty="0"/>
                     </a:p>
                   </a:txBody>
                   <a:tcPr/>
@@ -3787,7 +3868,7 @@
                     <a:bodyPr/>
                     <a:lstStyle/>
                     <a:p>
-                      <a:endParaRPr lang="en-IN" dirty="0"/>
+                      <a:endParaRPr lang="en-IN" sz="1400" b="0" dirty="0"/>
                     </a:p>
                   </a:txBody>
                   <a:tcPr/>
@@ -3797,7 +3878,7 @@
                     <a:bodyPr/>
                     <a:lstStyle/>
                     <a:p>
-                      <a:endParaRPr lang="en-IN" dirty="0"/>
+                      <a:endParaRPr lang="en-IN" sz="1400" b="0" dirty="0"/>
                     </a:p>
                   </a:txBody>
                   <a:tcPr/>
@@ -3948,7 +4029,7 @@
         <p:spPr>
           <a:xfrm>
             <a:off x="1551709" y="960582"/>
-            <a:ext cx="1939636" cy="369332"/>
+            <a:ext cx="3362036" cy="369332"/>
           </a:xfrm>
           <a:prstGeom prst="rect">
             <a:avLst/>
@@ -3962,12 +4043,12 @@
           <a:lstStyle/>
           <a:p>
             <a:r>
-              <a:rPr lang="en-US" dirty="0" err="1" smtClean="0"/>
-              <a:t>ASP.Net</a:t>
-            </a:r>
-            <a:r>
               <a:rPr lang="en-US" dirty="0" smtClean="0"/>
-              <a:t> Core 3.1</a:t>
+              <a:t>ASP .NET </a:t>
+            </a:r>
+            <a:r>
+              <a:rPr lang="en-US" dirty="0" smtClean="0"/>
+              <a:t>5.0 (Desktop Runtime)</a:t>
             </a:r>
             <a:endParaRPr lang="en-IN" dirty="0"/>
           </a:p>
@@ -4193,7 +4274,7 @@
         </p:nvSpPr>
         <p:spPr>
           <a:xfrm>
-            <a:off x="3329708" y="3805383"/>
+            <a:off x="3726870" y="3813465"/>
             <a:ext cx="919018" cy="840509"/>
           </a:xfrm>
           <a:prstGeom prst="rect">
@@ -4288,6 +4369,197 @@
                 <a:schemeClr val="accent1"/>
               </a:solidFill>
             </a:endParaRPr>
+          </a:p>
+        </p:txBody>
+      </p:sp>
+      <p:sp>
+        <p:nvSpPr>
+          <p:cNvPr id="14" name="Rectangle 13"/>
+          <p:cNvSpPr/>
+          <p:nvPr/>
+        </p:nvSpPr>
+        <p:spPr>
+          <a:xfrm>
+            <a:off x="5211617" y="3830782"/>
+            <a:ext cx="1177636" cy="840509"/>
+          </a:xfrm>
+          <a:prstGeom prst="rect">
+            <a:avLst/>
+          </a:prstGeom>
+          <a:noFill/>
+        </p:spPr>
+        <p:style>
+          <a:lnRef idx="2">
+            <a:schemeClr val="accent1">
+              <a:shade val="50000"/>
+            </a:schemeClr>
+          </a:lnRef>
+          <a:fillRef idx="1">
+            <a:schemeClr val="accent1"/>
+          </a:fillRef>
+          <a:effectRef idx="0">
+            <a:schemeClr val="accent1"/>
+          </a:effectRef>
+          <a:fontRef idx="minor">
+            <a:schemeClr val="lt1"/>
+          </a:fontRef>
+        </p:style>
+        <p:txBody>
+          <a:bodyPr rtlCol="0" anchor="ctr"/>
+          <a:lstStyle/>
+          <a:p>
+            <a:pPr algn="ctr"/>
+            <a:r>
+              <a:rPr lang="en-US" dirty="0" smtClean="0">
+                <a:solidFill>
+                  <a:schemeClr val="accent1"/>
+                </a:solidFill>
+              </a:rPr>
+              <a:t>CSV</a:t>
+            </a:r>
+            <a:endParaRPr lang="en-IN" dirty="0">
+              <a:solidFill>
+                <a:schemeClr val="accent1"/>
+              </a:solidFill>
+            </a:endParaRPr>
+          </a:p>
+        </p:txBody>
+      </p:sp>
+      <p:sp>
+        <p:nvSpPr>
+          <p:cNvPr id="15" name="Rectangle 14"/>
+          <p:cNvSpPr/>
+          <p:nvPr/>
+        </p:nvSpPr>
+        <p:spPr>
+          <a:xfrm>
+            <a:off x="1801091" y="3830782"/>
+            <a:ext cx="1413164" cy="840509"/>
+          </a:xfrm>
+          <a:prstGeom prst="rect">
+            <a:avLst/>
+          </a:prstGeom>
+          <a:noFill/>
+        </p:spPr>
+        <p:style>
+          <a:lnRef idx="2">
+            <a:schemeClr val="accent1">
+              <a:shade val="50000"/>
+            </a:schemeClr>
+          </a:lnRef>
+          <a:fillRef idx="1">
+            <a:schemeClr val="accent1"/>
+          </a:fillRef>
+          <a:effectRef idx="0">
+            <a:schemeClr val="accent1"/>
+          </a:effectRef>
+          <a:fontRef idx="minor">
+            <a:schemeClr val="lt1"/>
+          </a:fontRef>
+        </p:style>
+        <p:txBody>
+          <a:bodyPr rtlCol="0" anchor="ctr"/>
+          <a:lstStyle/>
+          <a:p>
+            <a:pPr algn="ctr"/>
+            <a:r>
+              <a:rPr lang="en-US" dirty="0" smtClean="0">
+                <a:solidFill>
+                  <a:schemeClr val="accent1"/>
+                </a:solidFill>
+              </a:rPr>
+              <a:t>MSI/MSIX/</a:t>
+            </a:r>
+          </a:p>
+          <a:p>
+            <a:pPr algn="ctr"/>
+            <a:r>
+              <a:rPr lang="en-US" dirty="0" smtClean="0">
+                <a:solidFill>
+                  <a:schemeClr val="accent1"/>
+                </a:solidFill>
+              </a:rPr>
+              <a:t>Installer Package</a:t>
+            </a:r>
+            <a:r>
+              <a:rPr lang="en-US" dirty="0" smtClean="0"/>
+              <a:t>)</a:t>
+            </a:r>
+            <a:endParaRPr lang="en-IN" dirty="0"/>
+          </a:p>
+        </p:txBody>
+      </p:sp>
+      <p:sp>
+        <p:nvSpPr>
+          <p:cNvPr id="16" name="Rectangle 15"/>
+          <p:cNvSpPr/>
+          <p:nvPr/>
+        </p:nvSpPr>
+        <p:spPr>
+          <a:xfrm>
+            <a:off x="1233055" y="960582"/>
+            <a:ext cx="6035963" cy="4239491"/>
+          </a:xfrm>
+          <a:prstGeom prst="rect">
+            <a:avLst/>
+          </a:prstGeom>
+          <a:noFill/>
+          <a:ln w="28575">
+            <a:prstDash val="dash"/>
+          </a:ln>
+        </p:spPr>
+        <p:style>
+          <a:lnRef idx="2">
+            <a:schemeClr val="accent1">
+              <a:shade val="50000"/>
+            </a:schemeClr>
+          </a:lnRef>
+          <a:fillRef idx="1">
+            <a:schemeClr val="accent1"/>
+          </a:fillRef>
+          <a:effectRef idx="0">
+            <a:schemeClr val="accent1"/>
+          </a:effectRef>
+          <a:fontRef idx="minor">
+            <a:schemeClr val="lt1"/>
+          </a:fontRef>
+        </p:style>
+        <p:txBody>
+          <a:bodyPr rtlCol="0" anchor="ctr"/>
+          <a:lstStyle/>
+          <a:p>
+            <a:pPr algn="ctr"/>
+            <a:endParaRPr lang="en-IN"/>
+          </a:p>
+        </p:txBody>
+      </p:sp>
+      <p:sp>
+        <p:nvSpPr>
+          <p:cNvPr id="17" name="TextBox 16"/>
+          <p:cNvSpPr txBox="1"/>
+          <p:nvPr/>
+        </p:nvSpPr>
+        <p:spPr>
+          <a:xfrm>
+            <a:off x="1233055" y="540390"/>
+            <a:ext cx="1939636" cy="369332"/>
+          </a:xfrm>
+          <a:prstGeom prst="rect">
+            <a:avLst/>
+          </a:prstGeom>
+          <a:noFill/>
+        </p:spPr>
+        <p:txBody>
+          <a:bodyPr wrap="square" rtlCol="0">
+            <a:spAutoFit/>
+          </a:bodyPr>
+          <a:lstStyle/>
+          <a:p>
+            <a:r>
+              <a:rPr lang="en-US" dirty="0" smtClean="0"/>
+              <a:t>Windows 10</a:t>
+            </a:r>
+            <a:endParaRPr lang="en-IN" dirty="0"/>
           </a:p>
         </p:txBody>
       </p:sp>
